--- a/FredSec/2020/05 FEB/Exposing C# .NET and JIT Hooking for profit - Copy.pptx
+++ b/FredSec/2020/05 FEB/Exposing C# .NET and JIT Hooking for profit - Copy.pptx
@@ -134,6 +134,65 @@
 </p:presentation>
 </file>
 
+<file path=ppt/changesInfos/changesInfo1.xml><?xml version="1.0" encoding="utf-8"?>
+<pc:chgInfo xmlns:a="http://schemas.openxmlformats.org/drawingml/2006/main" xmlns:r="http://schemas.openxmlformats.org/officeDocument/2006/relationships" xmlns:ac="http://schemas.microsoft.com/office/drawing/2013/main/command" xmlns:pc="http://schemas.microsoft.com/office/powerpoint/2013/main/command">
+  <pc:docChgLst>
+    <pc:chgData name="khrash happy" userId="280df62e83d4ac96" providerId="LiveId" clId="{51902555-893A-454C-8B35-6BDA7C29B5D8}"/>
+    <pc:docChg chg="custSel modSld">
+      <pc:chgData name="khrash happy" userId="280df62e83d4ac96" providerId="LiveId" clId="{51902555-893A-454C-8B35-6BDA7C29B5D8}" dt="2020-02-10T13:35:03.646" v="231" actId="20577"/>
+      <pc:docMkLst>
+        <pc:docMk/>
+      </pc:docMkLst>
+      <pc:sldChg chg="modSp">
+        <pc:chgData name="khrash happy" userId="280df62e83d4ac96" providerId="LiveId" clId="{51902555-893A-454C-8B35-6BDA7C29B5D8}" dt="2020-02-10T13:33:59.064" v="95" actId="20577"/>
+        <pc:sldMkLst>
+          <pc:docMk/>
+          <pc:sldMk cId="1286343493" sldId="256"/>
+        </pc:sldMkLst>
+        <pc:spChg chg="mod">
+          <ac:chgData name="khrash happy" userId="280df62e83d4ac96" providerId="LiveId" clId="{51902555-893A-454C-8B35-6BDA7C29B5D8}" dt="2020-02-10T13:33:59.064" v="95" actId="20577"/>
+          <ac:spMkLst>
+            <pc:docMk/>
+            <pc:sldMk cId="1286343493" sldId="256"/>
+            <ac:spMk id="3" creationId="{B8EAB796-A4EF-4651-9497-2A902709BC94}"/>
+          </ac:spMkLst>
+        </pc:spChg>
+      </pc:sldChg>
+      <pc:sldChg chg="modSp">
+        <pc:chgData name="khrash happy" userId="280df62e83d4ac96" providerId="LiveId" clId="{51902555-893A-454C-8B35-6BDA7C29B5D8}" dt="2020-02-10T13:33:53.988" v="94" actId="20577"/>
+        <pc:sldMkLst>
+          <pc:docMk/>
+          <pc:sldMk cId="3564729243" sldId="258"/>
+        </pc:sldMkLst>
+        <pc:spChg chg="mod">
+          <ac:chgData name="khrash happy" userId="280df62e83d4ac96" providerId="LiveId" clId="{51902555-893A-454C-8B35-6BDA7C29B5D8}" dt="2020-02-10T13:33:53.988" v="94" actId="20577"/>
+          <ac:spMkLst>
+            <pc:docMk/>
+            <pc:sldMk cId="3564729243" sldId="258"/>
+            <ac:spMk id="3" creationId="{225F7EB3-5319-4A42-89FA-0333DFB40F31}"/>
+          </ac:spMkLst>
+        </pc:spChg>
+      </pc:sldChg>
+      <pc:sldChg chg="modSp">
+        <pc:chgData name="khrash happy" userId="280df62e83d4ac96" providerId="LiveId" clId="{51902555-893A-454C-8B35-6BDA7C29B5D8}" dt="2020-02-10T13:35:03.646" v="231" actId="20577"/>
+        <pc:sldMkLst>
+          <pc:docMk/>
+          <pc:sldMk cId="1641819502" sldId="266"/>
+        </pc:sldMkLst>
+        <pc:spChg chg="mod">
+          <ac:chgData name="khrash happy" userId="280df62e83d4ac96" providerId="LiveId" clId="{51902555-893A-454C-8B35-6BDA7C29B5D8}" dt="2020-02-10T13:35:03.646" v="231" actId="20577"/>
+          <ac:spMkLst>
+            <pc:docMk/>
+            <pc:sldMk cId="1641819502" sldId="266"/>
+            <ac:spMk id="3" creationId="{31022386-9B8F-4AC4-BAA0-EAA98928D96F}"/>
+          </ac:spMkLst>
+        </pc:spChg>
+      </pc:sldChg>
+    </pc:docChg>
+  </pc:docChgLst>
+</pc:chgInfo>
+</file>
+
 <file path=ppt/slideLayouts/slideLayout1.xml><?xml version="1.0" encoding="utf-8"?>
 <p:sldLayout xmlns:a="http://schemas.openxmlformats.org/drawingml/2006/main" xmlns:r="http://schemas.openxmlformats.org/officeDocument/2006/relationships" xmlns:p="http://schemas.openxmlformats.org/presentationml/2006/main" type="title" preserve="1">
   <p:cSld name="Title Slide">
@@ -281,7 +340,7 @@
           <a:p>
             <a:fld id="{1F91BFD1-5910-47FC-A5E3-259F424EF41C}" type="datetimeFigureOut">
               <a:rPr lang="en-US" smtClean="0"/>
-              <a:t>2/4/2020</a:t>
+              <a:t>2/5/2020</a:t>
             </a:fld>
             <a:endParaRPr lang="en-US"/>
           </a:p>
@@ -479,7 +538,7 @@
           <a:p>
             <a:fld id="{1F91BFD1-5910-47FC-A5E3-259F424EF41C}" type="datetimeFigureOut">
               <a:rPr lang="en-US" smtClean="0"/>
-              <a:t>2/4/2020</a:t>
+              <a:t>2/5/2020</a:t>
             </a:fld>
             <a:endParaRPr lang="en-US"/>
           </a:p>
@@ -687,7 +746,7 @@
           <a:p>
             <a:fld id="{1F91BFD1-5910-47FC-A5E3-259F424EF41C}" type="datetimeFigureOut">
               <a:rPr lang="en-US" smtClean="0"/>
-              <a:t>2/4/2020</a:t>
+              <a:t>2/5/2020</a:t>
             </a:fld>
             <a:endParaRPr lang="en-US"/>
           </a:p>
@@ -885,7 +944,7 @@
           <a:p>
             <a:fld id="{1F91BFD1-5910-47FC-A5E3-259F424EF41C}" type="datetimeFigureOut">
               <a:rPr lang="en-US" smtClean="0"/>
-              <a:t>2/4/2020</a:t>
+              <a:t>2/5/2020</a:t>
             </a:fld>
             <a:endParaRPr lang="en-US"/>
           </a:p>
@@ -1160,7 +1219,7 @@
           <a:p>
             <a:fld id="{1F91BFD1-5910-47FC-A5E3-259F424EF41C}" type="datetimeFigureOut">
               <a:rPr lang="en-US" smtClean="0"/>
-              <a:t>2/4/2020</a:t>
+              <a:t>2/5/2020</a:t>
             </a:fld>
             <a:endParaRPr lang="en-US"/>
           </a:p>
@@ -1425,7 +1484,7 @@
           <a:p>
             <a:fld id="{1F91BFD1-5910-47FC-A5E3-259F424EF41C}" type="datetimeFigureOut">
               <a:rPr lang="en-US" smtClean="0"/>
-              <a:t>2/4/2020</a:t>
+              <a:t>2/5/2020</a:t>
             </a:fld>
             <a:endParaRPr lang="en-US"/>
           </a:p>
@@ -1837,7 +1896,7 @@
           <a:p>
             <a:fld id="{1F91BFD1-5910-47FC-A5E3-259F424EF41C}" type="datetimeFigureOut">
               <a:rPr lang="en-US" smtClean="0"/>
-              <a:t>2/4/2020</a:t>
+              <a:t>2/5/2020</a:t>
             </a:fld>
             <a:endParaRPr lang="en-US"/>
           </a:p>
@@ -1978,7 +2037,7 @@
           <a:p>
             <a:fld id="{1F91BFD1-5910-47FC-A5E3-259F424EF41C}" type="datetimeFigureOut">
               <a:rPr lang="en-US" smtClean="0"/>
-              <a:t>2/4/2020</a:t>
+              <a:t>2/5/2020</a:t>
             </a:fld>
             <a:endParaRPr lang="en-US"/>
           </a:p>
@@ -2091,7 +2150,7 @@
           <a:p>
             <a:fld id="{1F91BFD1-5910-47FC-A5E3-259F424EF41C}" type="datetimeFigureOut">
               <a:rPr lang="en-US" smtClean="0"/>
-              <a:t>2/4/2020</a:t>
+              <a:t>2/5/2020</a:t>
             </a:fld>
             <a:endParaRPr lang="en-US"/>
           </a:p>
@@ -2402,7 +2461,7 @@
           <a:p>
             <a:fld id="{1F91BFD1-5910-47FC-A5E3-259F424EF41C}" type="datetimeFigureOut">
               <a:rPr lang="en-US" smtClean="0"/>
-              <a:t>2/4/2020</a:t>
+              <a:t>2/5/2020</a:t>
             </a:fld>
             <a:endParaRPr lang="en-US"/>
           </a:p>
@@ -2690,7 +2749,7 @@
           <a:p>
             <a:fld id="{1F91BFD1-5910-47FC-A5E3-259F424EF41C}" type="datetimeFigureOut">
               <a:rPr lang="en-US" smtClean="0"/>
-              <a:t>2/4/2020</a:t>
+              <a:t>2/5/2020</a:t>
             </a:fld>
             <a:endParaRPr lang="en-US"/>
           </a:p>
@@ -2931,7 +2990,7 @@
           <a:p>
             <a:fld id="{1F91BFD1-5910-47FC-A5E3-259F424EF41C}" type="datetimeFigureOut">
               <a:rPr lang="en-US" smtClean="0"/>
-              <a:t>2/4/2020</a:t>
+              <a:t>2/5/2020</a:t>
             </a:fld>
             <a:endParaRPr lang="en-US"/>
           </a:p>
@@ -3398,38 +3457,12 @@
           <a:lstStyle/>
           <a:p>
             <a:r>
-              <a:rPr lang="en-US" dirty="0"/>
-              <a:t>Khristopher Tolbert</a:t>
-            </a:r>
-          </a:p>
-          <a:p>
-            <a:r>
-              <a:rPr lang="en-US" dirty="0"/>
-              <a:t>[Title, Date, maybe (</a:t>
-            </a:r>
-            <a:r>
               <a:rPr lang="en-US" dirty="0" err="1"/>
-              <a:t>Maveris</a:t>
-            </a:r>
-            <a:r>
-              <a:rPr lang="en-US" dirty="0"/>
-              <a:t>/</a:t>
-            </a:r>
-            <a:r>
-              <a:rPr lang="en-US" dirty="0" err="1"/>
-              <a:t>Halfaker</a:t>
-            </a:r>
-            <a:r>
-              <a:rPr lang="en-US" dirty="0"/>
-              <a:t>/VA </a:t>
-            </a:r>
-            <a:r>
-              <a:rPr lang="en-US" dirty="0" err="1"/>
-              <a:t>etc</a:t>
-            </a:r>
-            <a:r>
-              <a:rPr lang="en-US" dirty="0"/>
-              <a:t>]</a:t>
+              <a:t>Khristopher</a:t>
+            </a:r>
+            <a:r>
+              <a:rPr lang="en-US" dirty="0"/>
+              <a:t> Tolbert</a:t>
             </a:r>
           </a:p>
         </p:txBody>
@@ -5120,9 +5153,21 @@
           <a:p>
             <a:pPr lvl="2"/>
             <a:r>
-              <a:rPr lang="en-US" dirty="0"/>
+              <a:rPr lang="en-US" b="1" dirty="0"/>
               <a:t>Insert breakpoint on hooked method</a:t>
             </a:r>
+          </a:p>
+          <a:p>
+            <a:pPr lvl="3"/>
+            <a:r>
+              <a:rPr lang="en-US" dirty="0"/>
+              <a:t>Hope the breakpoint is caught before </a:t>
+            </a:r>
+            <a:r>
+              <a:rPr lang="en-US"/>
+              <a:t>execution continues</a:t>
+            </a:r>
+            <a:endParaRPr lang="en-US" dirty="0"/>
           </a:p>
           <a:p>
             <a:pPr lvl="2"/>
@@ -5366,64 +5411,67 @@
           <a:lstStyle/>
           <a:p>
             <a:r>
-              <a:rPr lang="en-US"/>
-              <a:t>Khristopher Tolbert, CISSP, OCSP, alphabet soup</a:t>
+              <a:rPr lang="en-US" dirty="0" err="1"/>
+              <a:t>Khristopher</a:t>
+            </a:r>
+            <a:r>
+              <a:rPr lang="en-US" dirty="0"/>
+              <a:t> Tolbert, CISSP, OCSP, alphabet soup</a:t>
             </a:r>
           </a:p>
           <a:p>
             <a:pPr lvl="1"/>
             <a:r>
-              <a:rPr lang="en-US"/>
+              <a:rPr lang="en-US" dirty="0"/>
               <a:t>Offensive Security or related field since 2005</a:t>
             </a:r>
           </a:p>
           <a:p>
             <a:pPr lvl="2"/>
             <a:r>
-              <a:rPr lang="en-US"/>
-              <a:t>USMC Information Assurance Red Team Member (Contractor) 2006-2010</a:t>
+              <a:rPr lang="en-US" dirty="0"/>
+              <a:t>Most recently, Internal Red Team Member for the Veterans Administration</a:t>
+            </a:r>
+          </a:p>
+          <a:p>
+            <a:pPr lvl="1"/>
+            <a:r>
+              <a:rPr lang="en-US" dirty="0"/>
+              <a:t>B.S. in I.T –Network Security Focus, WGU 2012</a:t>
             </a:r>
           </a:p>
           <a:p>
             <a:pPr lvl="2"/>
             <a:r>
-              <a:rPr lang="en-US"/>
-              <a:t>DoD, USMC, Mantech Cyber Range Red Cell Member/Lead (Contractor) 2010-2018</a:t>
-            </a:r>
+              <a:rPr lang="en-US" dirty="0"/>
+              <a:t>Don’t we all? (sorry for the bad joke)</a:t>
+            </a:r>
+          </a:p>
+          <a:p>
+            <a:pPr lvl="1"/>
+            <a:r>
+              <a:rPr lang="en-US" dirty="0"/>
+              <a:t>@khr0x40sh on Twitter, </a:t>
+            </a:r>
+            <a:r>
+              <a:rPr lang="en-US" dirty="0" err="1"/>
+              <a:t>Github</a:t>
+            </a:r>
+            <a:endParaRPr lang="en-US" dirty="0"/>
           </a:p>
           <a:p>
             <a:pPr lvl="2"/>
             <a:r>
-              <a:rPr lang="en-US"/>
-              <a:t>VA CSOC EAS Red Team Member (Contractor) 2018-</a:t>
-            </a:r>
-          </a:p>
-          <a:p>
-            <a:pPr lvl="1"/>
-            <a:r>
-              <a:rPr lang="en-US"/>
-              <a:t> B.S. in I.T –Network Security Focus, WGU 2012</a:t>
-            </a:r>
-          </a:p>
-          <a:p>
-            <a:pPr lvl="2"/>
-            <a:r>
-              <a:rPr lang="en-US"/>
-              <a:t>Don’t we all? (sorry for the bad joke)</a:t>
-            </a:r>
-          </a:p>
-          <a:p>
-            <a:pPr lvl="1"/>
-            <a:r>
-              <a:rPr lang="en-US"/>
-              <a:t>@khr0x40sh on Twitter, Github</a:t>
-            </a:r>
-          </a:p>
-          <a:p>
-            <a:pPr lvl="2"/>
-            <a:r>
-              <a:rPr lang="en-US"/>
-              <a:t>Yes, that avatar is my actual dog at 4 months old. He’s 12 now and still trying to run in the middle of the street when I open my front door :-/ (still a good boy tho)</a:t>
+              <a:rPr lang="en-US" dirty="0"/>
+              <a:t>Yes, that avatar is my actual dog at 4 months old. He’s 12 now and still trying to run in the middle of the street when I open my front door :-/ (still a good boy </a:t>
+            </a:r>
+            <a:r>
+              <a:rPr lang="en-US" dirty="0" err="1"/>
+              <a:t>tho</a:t>
+            </a:r>
+            <a:r>
+              <a:rPr lang="en-US" dirty="0"/>
+              <a:t>)</a:t>
             </a:r>
           </a:p>
           <a:p>
